--- a/第7章 数组及指针/第7章 数组及指针.pptx
+++ b/第7章 数组及指针/第7章 数组及指针.pptx
@@ -255,7 +255,7 @@
           <a:p>
             <a:fld id="{D4AB7292-B286-48CF-AF0B-83CCF4E01EFD}" type="datetimeFigureOut">
               <a:rPr lang="zh-CN" altLang="en-US" smtClean="0"/>
-              <a:t>2018/4/17</a:t>
+              <a:t>2018/5/3</a:t>
             </a:fld>
             <a:endParaRPr lang="zh-CN" altLang="en-US"/>
           </a:p>
@@ -1071,7 +1071,7 @@
           <a:p>
             <a:fld id="{530820CF-B880-4189-942D-D702A7CBA730}" type="datetimeFigureOut">
               <a:rPr lang="zh-CN" altLang="en-US" smtClean="0"/>
-              <a:t>2018/4/17</a:t>
+              <a:t>2018/5/3</a:t>
             </a:fld>
             <a:endParaRPr lang="zh-CN" altLang="en-US"/>
           </a:p>
@@ -1293,7 +1293,7 @@
           <a:p>
             <a:fld id="{530820CF-B880-4189-942D-D702A7CBA730}" type="datetimeFigureOut">
               <a:rPr lang="zh-CN" altLang="en-US" smtClean="0"/>
-              <a:t>2018/4/17</a:t>
+              <a:t>2018/5/3</a:t>
             </a:fld>
             <a:endParaRPr lang="zh-CN" altLang="en-US"/>
           </a:p>
@@ -1561,7 +1561,7 @@
           <a:p>
             <a:fld id="{530820CF-B880-4189-942D-D702A7CBA730}" type="datetimeFigureOut">
               <a:rPr lang="zh-CN" altLang="en-US" smtClean="0"/>
-              <a:t>2018/4/17</a:t>
+              <a:t>2018/5/3</a:t>
             </a:fld>
             <a:endParaRPr lang="zh-CN" altLang="en-US"/>
           </a:p>
@@ -1811,7 +1811,7 @@
           <a:p>
             <a:fld id="{530820CF-B880-4189-942D-D702A7CBA730}" type="datetimeFigureOut">
               <a:rPr lang="zh-CN" altLang="en-US" smtClean="0"/>
-              <a:t>2018/4/17</a:t>
+              <a:t>2018/5/3</a:t>
             </a:fld>
             <a:endParaRPr lang="zh-CN" altLang="en-US"/>
           </a:p>
@@ -2070,7 +2070,7 @@
           <a:p>
             <a:fld id="{530820CF-B880-4189-942D-D702A7CBA730}" type="datetimeFigureOut">
               <a:rPr lang="zh-CN" altLang="en-US" smtClean="0"/>
-              <a:t>2018/4/17</a:t>
+              <a:t>2018/5/3</a:t>
             </a:fld>
             <a:endParaRPr lang="zh-CN" altLang="en-US"/>
           </a:p>
@@ -2435,7 +2435,7 @@
           <a:p>
             <a:fld id="{530820CF-B880-4189-942D-D702A7CBA730}" type="datetimeFigureOut">
               <a:rPr lang="zh-CN" altLang="en-US" smtClean="0"/>
-              <a:t>2018/4/17</a:t>
+              <a:t>2018/5/3</a:t>
             </a:fld>
             <a:endParaRPr lang="zh-CN" altLang="en-US"/>
           </a:p>
@@ -2933,7 +2933,7 @@
           <a:p>
             <a:fld id="{530820CF-B880-4189-942D-D702A7CBA730}" type="datetimeFigureOut">
               <a:rPr lang="zh-CN" altLang="en-US" smtClean="0"/>
-              <a:t>2018/4/17</a:t>
+              <a:t>2018/5/3</a:t>
             </a:fld>
             <a:endParaRPr lang="zh-CN" altLang="en-US"/>
           </a:p>
@@ -3127,7 +3127,7 @@
           <a:p>
             <a:fld id="{530820CF-B880-4189-942D-D702A7CBA730}" type="datetimeFigureOut">
               <a:rPr lang="zh-CN" altLang="en-US" smtClean="0"/>
-              <a:t>2018/4/17</a:t>
+              <a:t>2018/5/3</a:t>
             </a:fld>
             <a:endParaRPr lang="zh-CN" altLang="en-US"/>
           </a:p>
@@ -3298,7 +3298,7 @@
           <a:p>
             <a:fld id="{530820CF-B880-4189-942D-D702A7CBA730}" type="datetimeFigureOut">
               <a:rPr lang="zh-CN" altLang="en-US" smtClean="0"/>
-              <a:t>2018/4/17</a:t>
+              <a:t>2018/5/3</a:t>
             </a:fld>
             <a:endParaRPr lang="zh-CN" altLang="en-US"/>
           </a:p>
@@ -3698,7 +3698,7 @@
           <a:p>
             <a:fld id="{530820CF-B880-4189-942D-D702A7CBA730}" type="datetimeFigureOut">
               <a:rPr lang="zh-CN" altLang="en-US" smtClean="0"/>
-              <a:t>2018/4/17</a:t>
+              <a:t>2018/5/3</a:t>
             </a:fld>
             <a:endParaRPr lang="zh-CN" altLang="en-US"/>
           </a:p>
@@ -4078,7 +4078,7 @@
           <a:p>
             <a:fld id="{530820CF-B880-4189-942D-D702A7CBA730}" type="datetimeFigureOut">
               <a:rPr lang="zh-CN" altLang="en-US" smtClean="0"/>
-              <a:t>2018/4/17</a:t>
+              <a:t>2018/5/3</a:t>
             </a:fld>
             <a:endParaRPr lang="zh-CN" altLang="en-US"/>
           </a:p>
@@ -4352,7 +4352,7 @@
           <a:p>
             <a:fld id="{530820CF-B880-4189-942D-D702A7CBA730}" type="datetimeFigureOut">
               <a:rPr lang="zh-CN" altLang="en-US" smtClean="0"/>
-              <a:t>2018/4/17</a:t>
+              <a:t>2018/5/3</a:t>
             </a:fld>
             <a:endParaRPr lang="zh-CN" altLang="en-US"/>
           </a:p>
@@ -4879,6 +4879,13 @@
   <p:clrMapOvr>
     <a:masterClrMapping/>
   </p:clrMapOvr>
+  <p:timing>
+    <p:tnLst>
+      <p:par>
+        <p:cTn id="1" dur="indefinite" restart="never" nodeType="tmRoot"/>
+      </p:par>
+    </p:tnLst>
+  </p:timing>
 </p:sld>
 </file>
 
@@ -5002,6 +5009,13 @@
   <p:clrMapOvr>
     <a:masterClrMapping/>
   </p:clrMapOvr>
+  <p:timing>
+    <p:tnLst>
+      <p:par>
+        <p:cTn id="1" dur="indefinite" restart="never" nodeType="tmRoot"/>
+      </p:par>
+    </p:tnLst>
+  </p:timing>
 </p:sld>
 </file>
 
@@ -5122,6 +5136,13 @@
   <p:clrMapOvr>
     <a:masterClrMapping/>
   </p:clrMapOvr>
+  <p:timing>
+    <p:tnLst>
+      <p:par>
+        <p:cTn id="1" dur="indefinite" restart="never" nodeType="tmRoot"/>
+      </p:par>
+    </p:tnLst>
+  </p:timing>
 </p:sld>
 </file>
 
@@ -5254,6 +5275,13 @@
   <p:clrMapOvr>
     <a:masterClrMapping/>
   </p:clrMapOvr>
+  <p:timing>
+    <p:tnLst>
+      <p:par>
+        <p:cTn id="1" dur="indefinite" restart="never" nodeType="tmRoot"/>
+      </p:par>
+    </p:tnLst>
+  </p:timing>
 </p:sld>
 </file>
 
@@ -5483,6 +5511,13 @@
   <p:clrMapOvr>
     <a:masterClrMapping/>
   </p:clrMapOvr>
+  <p:timing>
+    <p:tnLst>
+      <p:par>
+        <p:cTn id="1" dur="indefinite" restart="never" nodeType="tmRoot"/>
+      </p:par>
+    </p:tnLst>
+  </p:timing>
 </p:sld>
 </file>
 
@@ -5600,34 +5635,7 @@
               <a:srgbClr val="FFFFFF"/>
             </a:contourClr>
           </a:sp3d>
-          <a:extLst>
-            <a:ext uri="{909E8E84-426E-40DD-AFC4-6F175D3DCCD1}">
-              <a14:hiddenFill xmlns:a14="http://schemas.microsoft.com/office/drawing/2010/main">
-                <a:solidFill>
-                  <a:schemeClr val="accent1"/>
-                </a:solidFill>
-              </a14:hiddenFill>
-            </a:ext>
-            <a:ext uri="{91240B29-F687-4F45-9708-019B960494DF}">
-              <a14:hiddenLine xmlns:a14="http://schemas.microsoft.com/office/drawing/2010/main" w="9525">
-                <a:solidFill>
-                  <a:schemeClr val="tx1"/>
-                </a:solidFill>
-                <a:miter lim="800000"/>
-                <a:headEnd/>
-                <a:tailEnd/>
-              </a14:hiddenLine>
-            </a:ext>
-            <a:ext uri="{AF507438-7753-43E0-B8FC-AC1667EBCBE1}">
-              <a14:hiddenEffects xmlns:a14="http://schemas.microsoft.com/office/drawing/2010/main">
-                <a:effectLst>
-                  <a:outerShdw dist="35921" dir="2700000" algn="ctr" rotWithShape="0">
-                    <a:schemeClr val="bg2"/>
-                  </a:outerShdw>
-                </a:effectLst>
-              </a14:hiddenEffects>
-            </a:ext>
-          </a:extLst>
+          <a:extLst/>
         </p:spPr>
       </p:pic>
     </p:spTree>
@@ -5640,6 +5648,13 @@
   <p:clrMapOvr>
     <a:masterClrMapping/>
   </p:clrMapOvr>
+  <p:timing>
+    <p:tnLst>
+      <p:par>
+        <p:cTn id="1" dur="indefinite" restart="never" nodeType="tmRoot"/>
+      </p:par>
+    </p:tnLst>
+  </p:timing>
 </p:sld>
 </file>
 
@@ -5761,6 +5776,13 @@
   <p:clrMapOvr>
     <a:masterClrMapping/>
   </p:clrMapOvr>
+  <p:timing>
+    <p:tnLst>
+      <p:par>
+        <p:cTn id="1" dur="indefinite" restart="never" nodeType="tmRoot"/>
+      </p:par>
+    </p:tnLst>
+  </p:timing>
 </p:sld>
 </file>
 
@@ -5893,6 +5915,13 @@
   <p:clrMapOvr>
     <a:masterClrMapping/>
   </p:clrMapOvr>
+  <p:timing>
+    <p:tnLst>
+      <p:par>
+        <p:cTn id="1" dur="indefinite" restart="never" nodeType="tmRoot"/>
+      </p:par>
+    </p:tnLst>
+  </p:timing>
 </p:sld>
 </file>
 
@@ -6028,6 +6057,13 @@
   <p:clrMapOvr>
     <a:masterClrMapping/>
   </p:clrMapOvr>
+  <p:timing>
+    <p:tnLst>
+      <p:par>
+        <p:cTn id="1" dur="indefinite" restart="never" nodeType="tmRoot"/>
+      </p:par>
+    </p:tnLst>
+  </p:timing>
 </p:sld>
 </file>
 
@@ -6152,6 +6188,13 @@
   <p:clrMapOvr>
     <a:masterClrMapping/>
   </p:clrMapOvr>
+  <p:timing>
+    <p:tnLst>
+      <p:par>
+        <p:cTn id="1" dur="indefinite" restart="never" nodeType="tmRoot"/>
+      </p:par>
+    </p:tnLst>
+  </p:timing>
 </p:sld>
 </file>
 
@@ -6330,6 +6373,13 @@
   <p:clrMapOvr>
     <a:masterClrMapping/>
   </p:clrMapOvr>
+  <p:timing>
+    <p:tnLst>
+      <p:par>
+        <p:cTn id="1" dur="indefinite" restart="never" nodeType="tmRoot"/>
+      </p:par>
+    </p:tnLst>
+  </p:timing>
 </p:sld>
 </file>
 
@@ -6507,6 +6557,13 @@
   <p:clrMapOvr>
     <a:masterClrMapping/>
   </p:clrMapOvr>
+  <p:timing>
+    <p:tnLst>
+      <p:par>
+        <p:cTn id="1" dur="indefinite" restart="never" nodeType="tmRoot"/>
+      </p:par>
+    </p:tnLst>
+  </p:timing>
 </p:sld>
 </file>
 
@@ -6619,6 +6676,13 @@
   <p:clrMapOvr>
     <a:masterClrMapping/>
   </p:clrMapOvr>
+  <p:timing>
+    <p:tnLst>
+      <p:par>
+        <p:cTn id="1" dur="indefinite" restart="never" nodeType="tmRoot"/>
+      </p:par>
+    </p:tnLst>
+  </p:timing>
 </p:sld>
 </file>
 
@@ -6805,6 +6869,13 @@
   <p:clrMapOvr>
     <a:masterClrMapping/>
   </p:clrMapOvr>
+  <p:timing>
+    <p:tnLst>
+      <p:par>
+        <p:cTn id="1" dur="indefinite" restart="never" nodeType="tmRoot"/>
+      </p:par>
+    </p:tnLst>
+  </p:timing>
 </p:sld>
 </file>
 
@@ -6911,6 +6982,13 @@
   <p:clrMapOvr>
     <a:masterClrMapping/>
   </p:clrMapOvr>
+  <p:timing>
+    <p:tnLst>
+      <p:par>
+        <p:cTn id="1" dur="indefinite" restart="never" nodeType="tmRoot"/>
+      </p:par>
+    </p:tnLst>
+  </p:timing>
 </p:sld>
 </file>
 
@@ -7097,6 +7175,13 @@
   <p:clrMapOvr>
     <a:masterClrMapping/>
   </p:clrMapOvr>
+  <p:timing>
+    <p:tnLst>
+      <p:par>
+        <p:cTn id="1" dur="indefinite" restart="never" nodeType="tmRoot"/>
+      </p:par>
+    </p:tnLst>
+  </p:timing>
 </p:sld>
 </file>
 
@@ -7202,6 +7287,13 @@
   <p:clrMapOvr>
     <a:masterClrMapping/>
   </p:clrMapOvr>
+  <p:timing>
+    <p:tnLst>
+      <p:par>
+        <p:cTn id="1" dur="indefinite" restart="never" nodeType="tmRoot"/>
+      </p:par>
+    </p:tnLst>
+  </p:timing>
 </p:sld>
 </file>
 
@@ -7251,10 +7343,15 @@
             <p:ph idx="1"/>
           </p:nvPr>
         </p:nvSpPr>
-        <p:spPr/>
+        <p:spPr>
+          <a:xfrm>
+            <a:off x="457200" y="1200151"/>
+            <a:ext cx="8435280" cy="3394472"/>
+          </a:xfrm>
+        </p:spPr>
         <p:txBody>
           <a:bodyPr>
-            <a:normAutofit fontScale="85000" lnSpcReduction="20000"/>
+            <a:normAutofit fontScale="85000" lnSpcReduction="10000"/>
           </a:bodyPr>
           <a:lstStyle/>
           <a:p>
@@ -7338,6 +7435,13 @@
   <p:clrMapOvr>
     <a:masterClrMapping/>
   </p:clrMapOvr>
+  <p:timing>
+    <p:tnLst>
+      <p:par>
+        <p:cTn id="1" dur="indefinite" restart="never" nodeType="tmRoot"/>
+      </p:par>
+    </p:tnLst>
+  </p:timing>
 </p:sld>
 </file>
 
@@ -7470,6 +7574,13 @@
   <p:clrMapOvr>
     <a:masterClrMapping/>
   </p:clrMapOvr>
+  <p:timing>
+    <p:tnLst>
+      <p:par>
+        <p:cTn id="1" dur="indefinite" restart="never" nodeType="tmRoot"/>
+      </p:par>
+    </p:tnLst>
+  </p:timing>
 </p:sld>
 </file>
 
@@ -8323,6 +8434,13 @@
   <p:clrMapOvr>
     <a:masterClrMapping/>
   </p:clrMapOvr>
+  <p:timing>
+    <p:tnLst>
+      <p:par>
+        <p:cTn id="1" dur="indefinite" restart="never" nodeType="tmRoot"/>
+      </p:par>
+    </p:tnLst>
+  </p:timing>
 </p:sld>
 </file>
 
@@ -10141,6 +10259,13 @@
   <p:clrMapOvr>
     <a:masterClrMapping/>
   </p:clrMapOvr>
+  <p:timing>
+    <p:tnLst>
+      <p:par>
+        <p:cTn id="1" dur="indefinite" restart="never" nodeType="tmRoot"/>
+      </p:par>
+    </p:tnLst>
+  </p:timing>
 </p:sld>
 </file>
 
@@ -11949,6 +12074,13 @@
   <p:clrMapOvr>
     <a:masterClrMapping/>
   </p:clrMapOvr>
+  <p:timing>
+    <p:tnLst>
+      <p:par>
+        <p:cTn id="1" dur="indefinite" restart="never" nodeType="tmRoot"/>
+      </p:par>
+    </p:tnLst>
+  </p:timing>
 </p:sld>
 </file>
 
@@ -13671,6 +13803,13 @@
   <p:clrMapOvr>
     <a:masterClrMapping/>
   </p:clrMapOvr>
+  <p:timing>
+    <p:tnLst>
+      <p:par>
+        <p:cTn id="1" dur="indefinite" restart="never" nodeType="tmRoot"/>
+      </p:par>
+    </p:tnLst>
+  </p:timing>
 </p:sld>
 </file>
 
@@ -14281,6 +14420,13 @@
   <p:clrMapOvr>
     <a:masterClrMapping/>
   </p:clrMapOvr>
+  <p:timing>
+    <p:tnLst>
+      <p:par>
+        <p:cTn id="1" dur="indefinite" restart="never" nodeType="tmRoot"/>
+      </p:par>
+    </p:tnLst>
+  </p:timing>
 </p:sld>
 </file>
 
@@ -14448,6 +14594,13 @@
   <p:clrMapOvr>
     <a:masterClrMapping/>
   </p:clrMapOvr>
+  <p:timing>
+    <p:tnLst>
+      <p:par>
+        <p:cTn id="1" dur="indefinite" restart="never" nodeType="tmRoot"/>
+      </p:par>
+    </p:tnLst>
+  </p:timing>
 </p:sld>
 </file>
 
@@ -14690,6 +14843,13 @@
   <p:clrMapOvr>
     <a:masterClrMapping/>
   </p:clrMapOvr>
+  <p:timing>
+    <p:tnLst>
+      <p:par>
+        <p:cTn id="1" dur="indefinite" restart="never" nodeType="tmRoot"/>
+      </p:par>
+    </p:tnLst>
+  </p:timing>
 </p:sld>
 </file>
 
